--- a/images/Soft-X-ray-self-seeding.pptx
+++ b/images/Soft-X-ray-self-seeding.pptx
@@ -104,6 +104,22 @@
       </a:defRPr>
     </a:lvl9pPr>
   </p:defaultTextStyle>
+  <p:extLst>
+    <p:ext uri="{EFAFB233-063F-42B5-8137-9DF3F51BA10A}">
+      <p15:sldGuideLst xmlns:p15="http://schemas.microsoft.com/office/powerpoint/2012/main">
+        <p15:guide id="1" orient="horz" pos="2160">
+          <p15:clr>
+            <a:srgbClr val="A4A3A4"/>
+          </p15:clr>
+        </p15:guide>
+        <p15:guide id="2" pos="2880">
+          <p15:clr>
+            <a:srgbClr val="A4A3A4"/>
+          </p15:clr>
+        </p15:guide>
+      </p15:sldGuideLst>
+    </p:ext>
+  </p:extLst>
 </p:presentation>
 </file>
 
@@ -288,7 +304,7 @@
           <a:p>
             <a:fld id="{DE71EA3C-46B9-5545-8EB5-51C460DAFBA2}" type="datetimeFigureOut">
               <a:rPr lang="de-DE" smtClean="0"/>
-              <a:t>8/4/16</a:t>
+              <a:t>21.12.16</a:t>
             </a:fld>
             <a:endParaRPr lang="en-US"/>
           </a:p>
@@ -330,7 +346,7 @@
           <a:p>
             <a:fld id="{FB17A8F4-9AB8-DB43-A415-EECAE40B7647}" type="slidenum">
               <a:rPr lang="en-US" smtClean="0"/>
-              <a:t>‹Nr.›</a:t>
+              <a:t>‹#›</a:t>
             </a:fld>
             <a:endParaRPr lang="en-US"/>
           </a:p>
@@ -458,7 +474,7 @@
           <a:p>
             <a:fld id="{DE71EA3C-46B9-5545-8EB5-51C460DAFBA2}" type="datetimeFigureOut">
               <a:rPr lang="de-DE" smtClean="0"/>
-              <a:t>8/4/16</a:t>
+              <a:t>21.12.16</a:t>
             </a:fld>
             <a:endParaRPr lang="en-US"/>
           </a:p>
@@ -500,7 +516,7 @@
           <a:p>
             <a:fld id="{FB17A8F4-9AB8-DB43-A415-EECAE40B7647}" type="slidenum">
               <a:rPr lang="en-US" smtClean="0"/>
-              <a:t>‹Nr.›</a:t>
+              <a:t>‹#›</a:t>
             </a:fld>
             <a:endParaRPr lang="en-US"/>
           </a:p>
@@ -638,7 +654,7 @@
           <a:p>
             <a:fld id="{DE71EA3C-46B9-5545-8EB5-51C460DAFBA2}" type="datetimeFigureOut">
               <a:rPr lang="de-DE" smtClean="0"/>
-              <a:t>8/4/16</a:t>
+              <a:t>21.12.16</a:t>
             </a:fld>
             <a:endParaRPr lang="en-US"/>
           </a:p>
@@ -680,7 +696,7 @@
           <a:p>
             <a:fld id="{FB17A8F4-9AB8-DB43-A415-EECAE40B7647}" type="slidenum">
               <a:rPr lang="en-US" smtClean="0"/>
-              <a:t>‹Nr.›</a:t>
+              <a:t>‹#›</a:t>
             </a:fld>
             <a:endParaRPr lang="en-US"/>
           </a:p>
@@ -808,7 +824,7 @@
           <a:p>
             <a:fld id="{DE71EA3C-46B9-5545-8EB5-51C460DAFBA2}" type="datetimeFigureOut">
               <a:rPr lang="de-DE" smtClean="0"/>
-              <a:t>8/4/16</a:t>
+              <a:t>21.12.16</a:t>
             </a:fld>
             <a:endParaRPr lang="en-US"/>
           </a:p>
@@ -850,7 +866,7 @@
           <a:p>
             <a:fld id="{FB17A8F4-9AB8-DB43-A415-EECAE40B7647}" type="slidenum">
               <a:rPr lang="en-US" smtClean="0"/>
-              <a:t>‹Nr.›</a:t>
+              <a:t>‹#›</a:t>
             </a:fld>
             <a:endParaRPr lang="en-US"/>
           </a:p>
@@ -1054,7 +1070,7 @@
           <a:p>
             <a:fld id="{DE71EA3C-46B9-5545-8EB5-51C460DAFBA2}" type="datetimeFigureOut">
               <a:rPr lang="de-DE" smtClean="0"/>
-              <a:t>8/4/16</a:t>
+              <a:t>21.12.16</a:t>
             </a:fld>
             <a:endParaRPr lang="en-US"/>
           </a:p>
@@ -1096,7 +1112,7 @@
           <a:p>
             <a:fld id="{FB17A8F4-9AB8-DB43-A415-EECAE40B7647}" type="slidenum">
               <a:rPr lang="en-US" smtClean="0"/>
-              <a:t>‹Nr.›</a:t>
+              <a:t>‹#›</a:t>
             </a:fld>
             <a:endParaRPr lang="en-US"/>
           </a:p>
@@ -1342,7 +1358,7 @@
           <a:p>
             <a:fld id="{DE71EA3C-46B9-5545-8EB5-51C460DAFBA2}" type="datetimeFigureOut">
               <a:rPr lang="de-DE" smtClean="0"/>
-              <a:t>8/4/16</a:t>
+              <a:t>21.12.16</a:t>
             </a:fld>
             <a:endParaRPr lang="en-US"/>
           </a:p>
@@ -1384,7 +1400,7 @@
           <a:p>
             <a:fld id="{FB17A8F4-9AB8-DB43-A415-EECAE40B7647}" type="slidenum">
               <a:rPr lang="en-US" smtClean="0"/>
-              <a:t>‹Nr.›</a:t>
+              <a:t>‹#›</a:t>
             </a:fld>
             <a:endParaRPr lang="en-US"/>
           </a:p>
@@ -1764,7 +1780,7 @@
           <a:p>
             <a:fld id="{DE71EA3C-46B9-5545-8EB5-51C460DAFBA2}" type="datetimeFigureOut">
               <a:rPr lang="de-DE" smtClean="0"/>
-              <a:t>8/4/16</a:t>
+              <a:t>21.12.16</a:t>
             </a:fld>
             <a:endParaRPr lang="en-US"/>
           </a:p>
@@ -1806,7 +1822,7 @@
           <a:p>
             <a:fld id="{FB17A8F4-9AB8-DB43-A415-EECAE40B7647}" type="slidenum">
               <a:rPr lang="en-US" smtClean="0"/>
-              <a:t>‹Nr.›</a:t>
+              <a:t>‹#›</a:t>
             </a:fld>
             <a:endParaRPr lang="en-US"/>
           </a:p>
@@ -1882,7 +1898,7 @@
           <a:p>
             <a:fld id="{DE71EA3C-46B9-5545-8EB5-51C460DAFBA2}" type="datetimeFigureOut">
               <a:rPr lang="de-DE" smtClean="0"/>
-              <a:t>8/4/16</a:t>
+              <a:t>21.12.16</a:t>
             </a:fld>
             <a:endParaRPr lang="en-US"/>
           </a:p>
@@ -1924,7 +1940,7 @@
           <a:p>
             <a:fld id="{FB17A8F4-9AB8-DB43-A415-EECAE40B7647}" type="slidenum">
               <a:rPr lang="en-US" smtClean="0"/>
-              <a:t>‹Nr.›</a:t>
+              <a:t>‹#›</a:t>
             </a:fld>
             <a:endParaRPr lang="en-US"/>
           </a:p>
@@ -1977,7 +1993,7 @@
           <a:p>
             <a:fld id="{DE71EA3C-46B9-5545-8EB5-51C460DAFBA2}" type="datetimeFigureOut">
               <a:rPr lang="de-DE" smtClean="0"/>
-              <a:t>8/4/16</a:t>
+              <a:t>21.12.16</a:t>
             </a:fld>
             <a:endParaRPr lang="en-US"/>
           </a:p>
@@ -2019,7 +2035,7 @@
           <a:p>
             <a:fld id="{FB17A8F4-9AB8-DB43-A415-EECAE40B7647}" type="slidenum">
               <a:rPr lang="en-US" smtClean="0"/>
-              <a:t>‹Nr.›</a:t>
+              <a:t>‹#›</a:t>
             </a:fld>
             <a:endParaRPr lang="en-US"/>
           </a:p>
@@ -2254,7 +2270,7 @@
           <a:p>
             <a:fld id="{DE71EA3C-46B9-5545-8EB5-51C460DAFBA2}" type="datetimeFigureOut">
               <a:rPr lang="de-DE" smtClean="0"/>
-              <a:t>8/4/16</a:t>
+              <a:t>21.12.16</a:t>
             </a:fld>
             <a:endParaRPr lang="en-US"/>
           </a:p>
@@ -2296,7 +2312,7 @@
           <a:p>
             <a:fld id="{FB17A8F4-9AB8-DB43-A415-EECAE40B7647}" type="slidenum">
               <a:rPr lang="en-US" smtClean="0"/>
-              <a:t>‹Nr.›</a:t>
+              <a:t>‹#›</a:t>
             </a:fld>
             <a:endParaRPr lang="en-US"/>
           </a:p>
@@ -2507,7 +2523,7 @@
           <a:p>
             <a:fld id="{DE71EA3C-46B9-5545-8EB5-51C460DAFBA2}" type="datetimeFigureOut">
               <a:rPr lang="de-DE" smtClean="0"/>
-              <a:t>8/4/16</a:t>
+              <a:t>21.12.16</a:t>
             </a:fld>
             <a:endParaRPr lang="en-US"/>
           </a:p>
@@ -2549,7 +2565,7 @@
           <a:p>
             <a:fld id="{FB17A8F4-9AB8-DB43-A415-EECAE40B7647}" type="slidenum">
               <a:rPr lang="en-US" smtClean="0"/>
-              <a:t>‹Nr.›</a:t>
+              <a:t>‹#›</a:t>
             </a:fld>
             <a:endParaRPr lang="en-US"/>
           </a:p>
@@ -2720,7 +2736,7 @@
           <a:p>
             <a:fld id="{DE71EA3C-46B9-5545-8EB5-51C460DAFBA2}" type="datetimeFigureOut">
               <a:rPr lang="de-DE" smtClean="0"/>
-              <a:t>8/4/16</a:t>
+              <a:t>21.12.16</a:t>
             </a:fld>
             <a:endParaRPr lang="en-US"/>
           </a:p>
@@ -2798,7 +2814,7 @@
           <a:p>
             <a:fld id="{FB17A8F4-9AB8-DB43-A415-EECAE40B7647}" type="slidenum">
               <a:rPr lang="en-US" smtClean="0"/>
-              <a:t>‹Nr.›</a:t>
+              <a:t>‹#›</a:t>
             </a:fld>
             <a:endParaRPr lang="en-US"/>
           </a:p>
@@ -3095,517 +3111,506 @@
           <a:chExt cx="0" cy="0"/>
         </a:xfrm>
       </p:grpSpPr>
-      <p:pic>
-        <p:nvPicPr>
-          <p:cNvPr id="4" name="Bild 3" descr="Unbenannt.png"/>
-          <p:cNvPicPr>
-            <a:picLocks noChangeAspect="1"/>
-          </p:cNvPicPr>
+      <p:grpSp>
+        <p:nvGrpSpPr>
+          <p:cNvPr id="2" name="Group 1"/>
+          <p:cNvGrpSpPr/>
           <p:nvPr/>
-        </p:nvPicPr>
-        <p:blipFill>
-          <a:blip r:embed="rId2">
-            <a:extLst>
-              <a:ext uri="{28A0092B-C50C-407E-A947-70E740481C1C}">
-                <a14:useLocalDpi xmlns:a14="http://schemas.microsoft.com/office/drawing/2010/main" val="0"/>
-              </a:ext>
-            </a:extLst>
-          </a:blip>
-          <a:stretch>
-            <a:fillRect/>
-          </a:stretch>
-        </p:blipFill>
-        <p:spPr>
+        </p:nvGrpSpPr>
+        <p:grpSpPr>
           <a:xfrm>
-            <a:off x="1224516" y="0"/>
-            <a:ext cx="6083467" cy="6177680"/>
+            <a:off x="964250" y="0"/>
+            <a:ext cx="6491688" cy="6675284"/>
+            <a:chOff x="964250" y="0"/>
+            <a:chExt cx="6491688" cy="6675284"/>
           </a:xfrm>
-          <a:prstGeom prst="rect">
-            <a:avLst/>
-          </a:prstGeom>
-        </p:spPr>
-      </p:pic>
-      <p:sp>
-        <p:nvSpPr>
-          <p:cNvPr id="5" name="Textfeld 4"/>
-          <p:cNvSpPr txBox="1"/>
-          <p:nvPr/>
-        </p:nvSpPr>
-        <p:spPr>
-          <a:xfrm>
-            <a:off x="5214441" y="2585186"/>
-            <a:ext cx="2093542" cy="2585323"/>
-          </a:xfrm>
-          <a:prstGeom prst="rect">
-            <a:avLst/>
-          </a:prstGeom>
-          <a:noFill/>
-        </p:spPr>
-        <p:txBody>
-          <a:bodyPr wrap="none" rtlCol="0">
-            <a:spAutoFit/>
-          </a:bodyPr>
-          <a:lstStyle/>
-          <a:p>
-            <a:r>
-              <a:rPr lang="en-US" b="1" dirty="0" smtClean="0"/>
-              <a:t>Average signal</a:t>
-            </a:r>
-          </a:p>
-          <a:p>
-            <a:endParaRPr lang="en-US" dirty="0">
-              <a:solidFill>
-                <a:srgbClr val="FF790A"/>
-              </a:solidFill>
-            </a:endParaRPr>
-          </a:p>
-          <a:p>
-            <a:r>
-              <a:rPr lang="en-US" dirty="0" smtClean="0">
+        </p:grpSpPr>
+        <p:pic>
+          <p:nvPicPr>
+            <p:cNvPr id="4" name="Bild 3" descr="Unbenannt.png"/>
+            <p:cNvPicPr>
+              <a:picLocks noChangeAspect="1"/>
+            </p:cNvPicPr>
+            <p:nvPr/>
+          </p:nvPicPr>
+          <p:blipFill>
+            <a:blip r:embed="rId2">
+              <a:extLst>
+                <a:ext uri="{28A0092B-C50C-407E-A947-70E740481C1C}">
+                  <a14:useLocalDpi xmlns:a14="http://schemas.microsoft.com/office/drawing/2010/main" val="0"/>
+                </a:ext>
+              </a:extLst>
+            </a:blip>
+            <a:stretch>
+              <a:fillRect/>
+            </a:stretch>
+          </p:blipFill>
+          <p:spPr>
+            <a:xfrm>
+              <a:off x="1224516" y="0"/>
+              <a:ext cx="6083467" cy="6177680"/>
+            </a:xfrm>
+            <a:prstGeom prst="rect">
+              <a:avLst/>
+            </a:prstGeom>
+          </p:spPr>
+        </p:pic>
+        <p:sp>
+          <p:nvSpPr>
+            <p:cNvPr id="5" name="Textfeld 4"/>
+            <p:cNvSpPr txBox="1"/>
+            <p:nvPr/>
+          </p:nvSpPr>
+          <p:spPr>
+            <a:xfrm>
+              <a:off x="5020798" y="2585186"/>
+              <a:ext cx="2093542" cy="2585323"/>
+            </a:xfrm>
+            <a:prstGeom prst="rect">
+              <a:avLst/>
+            </a:prstGeom>
+            <a:noFill/>
+          </p:spPr>
+          <p:txBody>
+            <a:bodyPr wrap="none" rtlCol="0">
+              <a:spAutoFit/>
+            </a:bodyPr>
+            <a:lstStyle/>
+            <a:p>
+              <a:r>
+                <a:rPr lang="en-US" b="1" dirty="0" smtClean="0"/>
+                <a:t>Average signal</a:t>
+              </a:r>
+            </a:p>
+            <a:p>
+              <a:endParaRPr lang="en-US" dirty="0">
                 <a:solidFill>
                   <a:srgbClr val="FF790A"/>
                 </a:solidFill>
-              </a:rPr>
-              <a:t>Orange:</a:t>
-            </a:r>
-          </a:p>
-          <a:p>
-            <a:r>
-              <a:rPr lang="en-US" dirty="0" smtClean="0"/>
-              <a:t>Kick at </a:t>
-            </a:r>
-            <a:r>
-              <a:rPr lang="en-US" dirty="0" err="1" smtClean="0"/>
-              <a:t>undulator</a:t>
-            </a:r>
-            <a:r>
-              <a:rPr lang="en-US" dirty="0" smtClean="0"/>
-              <a:t> 18</a:t>
-            </a:r>
-          </a:p>
-          <a:p>
-            <a:r>
-              <a:rPr lang="en-US" dirty="0" smtClean="0"/>
-              <a:t>FWHM: 179 </a:t>
-            </a:r>
-            <a:r>
-              <a:rPr lang="en-US" dirty="0" err="1" smtClean="0"/>
-              <a:t>meV</a:t>
-            </a:r>
-            <a:endParaRPr lang="en-US" dirty="0" smtClean="0"/>
-          </a:p>
-          <a:p>
-            <a:endParaRPr lang="en-US" dirty="0"/>
-          </a:p>
-          <a:p>
-            <a:r>
-              <a:rPr lang="en-US" dirty="0" smtClean="0">
-                <a:solidFill>
-                  <a:srgbClr val="003CFF"/>
-                </a:solidFill>
-              </a:rPr>
-              <a:t>Blue:</a:t>
-            </a:r>
-          </a:p>
-          <a:p>
-            <a:r>
-              <a:rPr lang="en-US" dirty="0" smtClean="0"/>
-              <a:t>Kick at </a:t>
-            </a:r>
-            <a:r>
-              <a:rPr lang="en-US" dirty="0" err="1" smtClean="0"/>
-              <a:t>Undulator</a:t>
-            </a:r>
-            <a:r>
-              <a:rPr lang="en-US" dirty="0" smtClean="0"/>
-              <a:t> 20</a:t>
-            </a:r>
-          </a:p>
-          <a:p>
-            <a:r>
-              <a:rPr lang="en-US" dirty="0" smtClean="0"/>
-              <a:t>FWHM: 199 </a:t>
-            </a:r>
-            <a:r>
-              <a:rPr lang="en-US" dirty="0" err="1" smtClean="0"/>
-              <a:t>meV</a:t>
-            </a:r>
-            <a:endParaRPr lang="en-US" dirty="0"/>
-          </a:p>
-        </p:txBody>
-      </p:sp>
-      <p:sp>
-        <p:nvSpPr>
-          <p:cNvPr id="6" name="Textfeld 5"/>
-          <p:cNvSpPr txBox="1"/>
-          <p:nvPr/>
-        </p:nvSpPr>
-        <p:spPr>
-          <a:xfrm>
-            <a:off x="6745024" y="5950910"/>
-            <a:ext cx="710914" cy="369332"/>
-          </a:xfrm>
-          <a:prstGeom prst="rect">
-            <a:avLst/>
-          </a:prstGeom>
-          <a:noFill/>
-        </p:spPr>
-        <p:txBody>
-          <a:bodyPr wrap="none" rtlCol="0">
-            <a:spAutoFit/>
-          </a:bodyPr>
-          <a:lstStyle/>
-          <a:p>
-            <a:r>
-              <a:rPr lang="en-US" dirty="0" smtClean="0"/>
-              <a:t>508.5</a:t>
-            </a:r>
-            <a:endParaRPr lang="en-US" dirty="0"/>
-          </a:p>
-        </p:txBody>
-      </p:sp>
-      <p:sp>
-        <p:nvSpPr>
-          <p:cNvPr id="7" name="Textfeld 6"/>
-          <p:cNvSpPr txBox="1"/>
-          <p:nvPr/>
-        </p:nvSpPr>
-        <p:spPr>
-          <a:xfrm>
-            <a:off x="4380784" y="5950910"/>
-            <a:ext cx="535648" cy="369332"/>
-          </a:xfrm>
-          <a:prstGeom prst="rect">
-            <a:avLst/>
-          </a:prstGeom>
-          <a:noFill/>
-        </p:spPr>
-        <p:txBody>
-          <a:bodyPr wrap="none" rtlCol="0">
-            <a:spAutoFit/>
-          </a:bodyPr>
-          <a:lstStyle/>
-          <a:p>
-            <a:r>
-              <a:rPr lang="en-US" dirty="0" smtClean="0"/>
-              <a:t>512</a:t>
-            </a:r>
-            <a:endParaRPr lang="en-US" dirty="0"/>
-          </a:p>
-        </p:txBody>
-      </p:sp>
-      <p:sp>
-        <p:nvSpPr>
-          <p:cNvPr id="8" name="Textfeld 7"/>
-          <p:cNvSpPr txBox="1"/>
-          <p:nvPr/>
-        </p:nvSpPr>
-        <p:spPr>
-          <a:xfrm>
-            <a:off x="1148916" y="5950910"/>
-            <a:ext cx="710914" cy="369332"/>
-          </a:xfrm>
-          <a:prstGeom prst="rect">
-            <a:avLst/>
-          </a:prstGeom>
-          <a:noFill/>
-        </p:spPr>
-        <p:txBody>
-          <a:bodyPr wrap="none" rtlCol="0">
-            <a:spAutoFit/>
-          </a:bodyPr>
-          <a:lstStyle/>
-          <a:p>
-            <a:r>
-              <a:rPr lang="en-US" dirty="0" smtClean="0"/>
-              <a:t>515.5</a:t>
-            </a:r>
-            <a:endParaRPr lang="en-US" dirty="0"/>
-          </a:p>
-        </p:txBody>
-      </p:sp>
-      <p:sp>
-        <p:nvSpPr>
-          <p:cNvPr id="9" name="Textfeld 8"/>
-          <p:cNvSpPr txBox="1"/>
-          <p:nvPr/>
-        </p:nvSpPr>
-        <p:spPr>
-          <a:xfrm rot="16200000">
-            <a:off x="62721" y="3099233"/>
-            <a:ext cx="2172390" cy="369332"/>
-          </a:xfrm>
-          <a:prstGeom prst="rect">
-            <a:avLst/>
-          </a:prstGeom>
-          <a:noFill/>
-        </p:spPr>
-        <p:txBody>
-          <a:bodyPr wrap="none" rtlCol="0">
-            <a:spAutoFit/>
-          </a:bodyPr>
-          <a:lstStyle/>
-          <a:p>
-            <a:r>
-              <a:rPr lang="en-US" dirty="0" smtClean="0"/>
-              <a:t>Intensity in </a:t>
-            </a:r>
-            <a:r>
-              <a:rPr lang="en-US" dirty="0" err="1" smtClean="0"/>
-              <a:t>arb</a:t>
-            </a:r>
-            <a:r>
-              <a:rPr lang="en-US" dirty="0" smtClean="0"/>
-              <a:t>. units</a:t>
-            </a:r>
-            <a:endParaRPr lang="en-US" dirty="0"/>
-          </a:p>
-        </p:txBody>
-      </p:sp>
-      <p:pic>
-        <p:nvPicPr>
-          <p:cNvPr id="10" name="Bild 9" descr="single-shot-seeded.eps"/>
-          <p:cNvPicPr>
-            <a:picLocks noChangeAspect="1"/>
-          </p:cNvPicPr>
-          <p:nvPr/>
-        </p:nvPicPr>
-        <p:blipFill>
-          <a:blip r:embed="rId3">
-            <a:extLst>
-              <a:ext uri="{28A0092B-C50C-407E-A947-70E740481C1C}">
-                <a14:useLocalDpi xmlns:a14="http://schemas.microsoft.com/office/drawing/2010/main" val="0"/>
-              </a:ext>
-            </a:extLst>
-          </a:blip>
-          <a:stretch>
-            <a:fillRect/>
-          </a:stretch>
-        </p:blipFill>
-        <p:spPr>
-          <a:xfrm>
-            <a:off x="1623389" y="313232"/>
-            <a:ext cx="2949608" cy="1884472"/>
-          </a:xfrm>
-          <a:prstGeom prst="rect">
-            <a:avLst/>
-          </a:prstGeom>
-        </p:spPr>
-      </p:pic>
-      <p:sp>
-        <p:nvSpPr>
-          <p:cNvPr id="11" name="Textfeld 10"/>
-          <p:cNvSpPr txBox="1"/>
-          <p:nvPr/>
-        </p:nvSpPr>
-        <p:spPr>
-          <a:xfrm>
-            <a:off x="1799315" y="619847"/>
-            <a:ext cx="1228935" cy="369332"/>
-          </a:xfrm>
-          <a:prstGeom prst="rect">
-            <a:avLst/>
-          </a:prstGeom>
-          <a:noFill/>
-        </p:spPr>
-        <p:txBody>
-          <a:bodyPr wrap="none" rtlCol="0">
-            <a:spAutoFit/>
-          </a:bodyPr>
-          <a:lstStyle/>
-          <a:p>
-            <a:r>
-              <a:rPr lang="en-US" b="1" dirty="0" smtClean="0"/>
-              <a:t>Single shot</a:t>
-            </a:r>
-            <a:endParaRPr lang="en-US" b="1" dirty="0"/>
-          </a:p>
-        </p:txBody>
-      </p:sp>
-      <p:sp>
-        <p:nvSpPr>
-          <p:cNvPr id="12" name="Textfeld 11"/>
-          <p:cNvSpPr txBox="1"/>
-          <p:nvPr/>
-        </p:nvSpPr>
-        <p:spPr>
-          <a:xfrm>
-            <a:off x="408248" y="1239694"/>
-            <a:ext cx="184666" cy="369332"/>
-          </a:xfrm>
-          <a:prstGeom prst="rect">
-            <a:avLst/>
-          </a:prstGeom>
-          <a:noFill/>
-        </p:spPr>
-        <p:txBody>
-          <a:bodyPr wrap="none" rtlCol="0">
-            <a:spAutoFit/>
-          </a:bodyPr>
-          <a:lstStyle/>
-          <a:p>
-            <a:endParaRPr lang="en-US" dirty="0"/>
-          </a:p>
-        </p:txBody>
-      </p:sp>
-      <p:sp>
-        <p:nvSpPr>
-          <p:cNvPr id="15" name="Textfeld 14"/>
-          <p:cNvSpPr txBox="1"/>
-          <p:nvPr/>
-        </p:nvSpPr>
-        <p:spPr>
-          <a:xfrm>
-            <a:off x="2893423" y="2055069"/>
-            <a:ext cx="535648" cy="369332"/>
-          </a:xfrm>
-          <a:prstGeom prst="rect">
-            <a:avLst/>
-          </a:prstGeom>
-          <a:noFill/>
-        </p:spPr>
-        <p:txBody>
-          <a:bodyPr wrap="none" rtlCol="0">
-            <a:spAutoFit/>
-          </a:bodyPr>
-          <a:lstStyle/>
-          <a:p>
-            <a:r>
-              <a:rPr lang="de-DE" dirty="0" smtClean="0"/>
-              <a:t>512</a:t>
-            </a:r>
-            <a:endParaRPr lang="de-DE" dirty="0"/>
-          </a:p>
-        </p:txBody>
-      </p:sp>
-      <p:sp>
-        <p:nvSpPr>
-          <p:cNvPr id="16" name="Textfeld 15"/>
-          <p:cNvSpPr txBox="1"/>
-          <p:nvPr/>
-        </p:nvSpPr>
-        <p:spPr>
-          <a:xfrm>
-            <a:off x="3959003" y="2046989"/>
-            <a:ext cx="710914" cy="369332"/>
-          </a:xfrm>
-          <a:prstGeom prst="rect">
-            <a:avLst/>
-          </a:prstGeom>
-          <a:noFill/>
-        </p:spPr>
-        <p:txBody>
-          <a:bodyPr wrap="none" rtlCol="0">
-            <a:spAutoFit/>
-          </a:bodyPr>
-          <a:lstStyle/>
-          <a:p>
-            <a:r>
-              <a:rPr lang="de-DE" dirty="0" smtClean="0"/>
-              <a:t>508.5</a:t>
-            </a:r>
-            <a:endParaRPr lang="de-DE" dirty="0"/>
-          </a:p>
-        </p:txBody>
-      </p:sp>
-      <p:sp>
-        <p:nvSpPr>
-          <p:cNvPr id="17" name="Textfeld 16"/>
-          <p:cNvSpPr txBox="1"/>
-          <p:nvPr/>
-        </p:nvSpPr>
-        <p:spPr>
-          <a:xfrm>
-            <a:off x="1487308" y="2055069"/>
-            <a:ext cx="710914" cy="369332"/>
-          </a:xfrm>
-          <a:prstGeom prst="rect">
-            <a:avLst/>
-          </a:prstGeom>
-          <a:noFill/>
-        </p:spPr>
-        <p:txBody>
-          <a:bodyPr wrap="none" rtlCol="0">
-            <a:spAutoFit/>
-          </a:bodyPr>
-          <a:lstStyle/>
-          <a:p>
-            <a:r>
-              <a:rPr lang="de-DE" dirty="0" smtClean="0"/>
-              <a:t>515.5</a:t>
-            </a:r>
-            <a:endParaRPr lang="de-DE" dirty="0"/>
-          </a:p>
-        </p:txBody>
-      </p:sp>
-      <p:sp>
-        <p:nvSpPr>
-          <p:cNvPr id="18" name="Textfeld 17"/>
-          <p:cNvSpPr txBox="1"/>
-          <p:nvPr/>
-        </p:nvSpPr>
-        <p:spPr>
-          <a:xfrm>
-            <a:off x="3528762" y="6305952"/>
-            <a:ext cx="2088470" cy="369332"/>
-          </a:xfrm>
-          <a:prstGeom prst="rect">
-            <a:avLst/>
-          </a:prstGeom>
-          <a:noFill/>
-        </p:spPr>
-        <p:txBody>
-          <a:bodyPr wrap="none" rtlCol="0">
-            <a:spAutoFit/>
-          </a:bodyPr>
-          <a:lstStyle/>
-          <a:p>
-            <a:r>
-              <a:rPr lang="en-US" dirty="0" smtClean="0"/>
-              <a:t>Photon energy in </a:t>
-            </a:r>
-            <a:r>
-              <a:rPr lang="en-US" dirty="0" err="1" smtClean="0"/>
-              <a:t>eV</a:t>
-            </a:r>
-            <a:endParaRPr lang="en-US" dirty="0"/>
-          </a:p>
-        </p:txBody>
-      </p:sp>
-      <p:sp>
-        <p:nvSpPr>
-          <p:cNvPr id="19" name="Textfeld 18"/>
-          <p:cNvSpPr txBox="1"/>
-          <p:nvPr/>
-        </p:nvSpPr>
-        <p:spPr>
-          <a:xfrm>
-            <a:off x="2077262" y="2309812"/>
-            <a:ext cx="2088470" cy="369332"/>
-          </a:xfrm>
-          <a:prstGeom prst="rect">
-            <a:avLst/>
-          </a:prstGeom>
-          <a:noFill/>
-        </p:spPr>
-        <p:txBody>
-          <a:bodyPr wrap="none" rtlCol="0">
-            <a:spAutoFit/>
-          </a:bodyPr>
-          <a:lstStyle/>
-          <a:p>
-            <a:r>
-              <a:rPr lang="en-US" dirty="0" smtClean="0"/>
-              <a:t>Photon energy in </a:t>
-            </a:r>
-            <a:r>
-              <a:rPr lang="en-US" dirty="0" err="1" smtClean="0"/>
-              <a:t>eV</a:t>
-            </a:r>
-            <a:endParaRPr lang="en-US" dirty="0"/>
-          </a:p>
-        </p:txBody>
-      </p:sp>
+              </a:endParaRPr>
+            </a:p>
+            <a:p>
+              <a:r>
+                <a:rPr lang="en-US" dirty="0" smtClean="0">
+                  <a:solidFill>
+                    <a:srgbClr val="FF790A"/>
+                  </a:solidFill>
+                </a:rPr>
+                <a:t>Orange:</a:t>
+              </a:r>
+            </a:p>
+            <a:p>
+              <a:r>
+                <a:rPr lang="en-US" dirty="0" smtClean="0"/>
+                <a:t>Kick at </a:t>
+              </a:r>
+              <a:r>
+                <a:rPr lang="en-US" dirty="0" err="1" smtClean="0"/>
+                <a:t>undulator</a:t>
+              </a:r>
+              <a:r>
+                <a:rPr lang="en-US" dirty="0" smtClean="0"/>
+                <a:t> 18</a:t>
+              </a:r>
+            </a:p>
+            <a:p>
+              <a:r>
+                <a:rPr lang="en-US" dirty="0" smtClean="0"/>
+                <a:t>FWHM: 179 </a:t>
+              </a:r>
+              <a:r>
+                <a:rPr lang="en-US" dirty="0" err="1" smtClean="0"/>
+                <a:t>meV</a:t>
+              </a:r>
+              <a:endParaRPr lang="en-US" dirty="0" smtClean="0"/>
+            </a:p>
+            <a:p>
+              <a:endParaRPr lang="en-US" dirty="0"/>
+            </a:p>
+            <a:p>
+              <a:r>
+                <a:rPr lang="en-US" dirty="0" smtClean="0">
+                  <a:solidFill>
+                    <a:srgbClr val="003CFF"/>
+                  </a:solidFill>
+                </a:rPr>
+                <a:t>Blue:</a:t>
+              </a:r>
+            </a:p>
+            <a:p>
+              <a:r>
+                <a:rPr lang="en-US" dirty="0" smtClean="0"/>
+                <a:t>Kick at </a:t>
+              </a:r>
+              <a:r>
+                <a:rPr lang="en-US" dirty="0" err="1" smtClean="0"/>
+                <a:t>Undulator</a:t>
+              </a:r>
+              <a:r>
+                <a:rPr lang="en-US" dirty="0" smtClean="0"/>
+                <a:t> 20</a:t>
+              </a:r>
+            </a:p>
+            <a:p>
+              <a:r>
+                <a:rPr lang="en-US" dirty="0" smtClean="0"/>
+                <a:t>FWHM: 199 </a:t>
+              </a:r>
+              <a:r>
+                <a:rPr lang="en-US" dirty="0" err="1" smtClean="0"/>
+                <a:t>meV</a:t>
+              </a:r>
+              <a:endParaRPr lang="en-US" dirty="0"/>
+            </a:p>
+          </p:txBody>
+        </p:sp>
+        <p:sp>
+          <p:nvSpPr>
+            <p:cNvPr id="6" name="Textfeld 5"/>
+            <p:cNvSpPr txBox="1"/>
+            <p:nvPr/>
+          </p:nvSpPr>
+          <p:spPr>
+            <a:xfrm>
+              <a:off x="6745024" y="5950910"/>
+              <a:ext cx="710914" cy="369332"/>
+            </a:xfrm>
+            <a:prstGeom prst="rect">
+              <a:avLst/>
+            </a:prstGeom>
+            <a:noFill/>
+          </p:spPr>
+          <p:txBody>
+            <a:bodyPr wrap="none" rtlCol="0">
+              <a:spAutoFit/>
+            </a:bodyPr>
+            <a:lstStyle/>
+            <a:p>
+              <a:r>
+                <a:rPr lang="en-US" dirty="0" smtClean="0"/>
+                <a:t>508.5</a:t>
+              </a:r>
+              <a:endParaRPr lang="en-US" dirty="0"/>
+            </a:p>
+          </p:txBody>
+        </p:sp>
+        <p:sp>
+          <p:nvSpPr>
+            <p:cNvPr id="7" name="Textfeld 6"/>
+            <p:cNvSpPr txBox="1"/>
+            <p:nvPr/>
+          </p:nvSpPr>
+          <p:spPr>
+            <a:xfrm>
+              <a:off x="4380784" y="5950910"/>
+              <a:ext cx="535648" cy="369332"/>
+            </a:xfrm>
+            <a:prstGeom prst="rect">
+              <a:avLst/>
+            </a:prstGeom>
+            <a:noFill/>
+          </p:spPr>
+          <p:txBody>
+            <a:bodyPr wrap="none" rtlCol="0">
+              <a:spAutoFit/>
+            </a:bodyPr>
+            <a:lstStyle/>
+            <a:p>
+              <a:r>
+                <a:rPr lang="en-US" dirty="0" smtClean="0"/>
+                <a:t>512</a:t>
+              </a:r>
+              <a:endParaRPr lang="en-US" dirty="0"/>
+            </a:p>
+          </p:txBody>
+        </p:sp>
+        <p:sp>
+          <p:nvSpPr>
+            <p:cNvPr id="8" name="Textfeld 7"/>
+            <p:cNvSpPr txBox="1"/>
+            <p:nvPr/>
+          </p:nvSpPr>
+          <p:spPr>
+            <a:xfrm>
+              <a:off x="1148916" y="5950910"/>
+              <a:ext cx="710914" cy="369332"/>
+            </a:xfrm>
+            <a:prstGeom prst="rect">
+              <a:avLst/>
+            </a:prstGeom>
+            <a:noFill/>
+          </p:spPr>
+          <p:txBody>
+            <a:bodyPr wrap="none" rtlCol="0">
+              <a:spAutoFit/>
+            </a:bodyPr>
+            <a:lstStyle/>
+            <a:p>
+              <a:r>
+                <a:rPr lang="en-US" dirty="0" smtClean="0"/>
+                <a:t>515.5</a:t>
+              </a:r>
+              <a:endParaRPr lang="en-US" dirty="0"/>
+            </a:p>
+          </p:txBody>
+        </p:sp>
+        <p:sp>
+          <p:nvSpPr>
+            <p:cNvPr id="9" name="Textfeld 8"/>
+            <p:cNvSpPr txBox="1"/>
+            <p:nvPr/>
+          </p:nvSpPr>
+          <p:spPr>
+            <a:xfrm rot="16200000">
+              <a:off x="62721" y="3099233"/>
+              <a:ext cx="2172390" cy="369332"/>
+            </a:xfrm>
+            <a:prstGeom prst="rect">
+              <a:avLst/>
+            </a:prstGeom>
+            <a:noFill/>
+          </p:spPr>
+          <p:txBody>
+            <a:bodyPr wrap="none" rtlCol="0">
+              <a:spAutoFit/>
+            </a:bodyPr>
+            <a:lstStyle/>
+            <a:p>
+              <a:r>
+                <a:rPr lang="en-US" dirty="0" smtClean="0"/>
+                <a:t>Intensity in </a:t>
+              </a:r>
+              <a:r>
+                <a:rPr lang="en-US" dirty="0" err="1" smtClean="0"/>
+                <a:t>arb</a:t>
+              </a:r>
+              <a:r>
+                <a:rPr lang="en-US" dirty="0" smtClean="0"/>
+                <a:t>. units</a:t>
+              </a:r>
+              <a:endParaRPr lang="en-US" dirty="0"/>
+            </a:p>
+          </p:txBody>
+        </p:sp>
+        <p:pic>
+          <p:nvPicPr>
+            <p:cNvPr id="10" name="Bild 9" descr="single-shot-seeded.eps"/>
+            <p:cNvPicPr>
+              <a:picLocks noChangeAspect="1"/>
+            </p:cNvPicPr>
+            <p:nvPr/>
+          </p:nvPicPr>
+          <p:blipFill>
+            <a:blip r:embed="rId3">
+              <a:extLst>
+                <a:ext uri="{28A0092B-C50C-407E-A947-70E740481C1C}">
+                  <a14:useLocalDpi xmlns:a14="http://schemas.microsoft.com/office/drawing/2010/main" val="0"/>
+                </a:ext>
+              </a:extLst>
+            </a:blip>
+            <a:stretch>
+              <a:fillRect/>
+            </a:stretch>
+          </p:blipFill>
+          <p:spPr>
+            <a:xfrm>
+              <a:off x="1623389" y="313232"/>
+              <a:ext cx="2949608" cy="1884472"/>
+            </a:xfrm>
+            <a:prstGeom prst="rect">
+              <a:avLst/>
+            </a:prstGeom>
+          </p:spPr>
+        </p:pic>
+        <p:sp>
+          <p:nvSpPr>
+            <p:cNvPr id="11" name="Textfeld 10"/>
+            <p:cNvSpPr txBox="1"/>
+            <p:nvPr/>
+          </p:nvSpPr>
+          <p:spPr>
+            <a:xfrm>
+              <a:off x="1799315" y="619847"/>
+              <a:ext cx="1228935" cy="369332"/>
+            </a:xfrm>
+            <a:prstGeom prst="rect">
+              <a:avLst/>
+            </a:prstGeom>
+            <a:noFill/>
+          </p:spPr>
+          <p:txBody>
+            <a:bodyPr wrap="none" rtlCol="0">
+              <a:spAutoFit/>
+            </a:bodyPr>
+            <a:lstStyle/>
+            <a:p>
+              <a:r>
+                <a:rPr lang="en-US" b="1" dirty="0" smtClean="0"/>
+                <a:t>Single shot</a:t>
+              </a:r>
+              <a:endParaRPr lang="en-US" b="1" dirty="0"/>
+            </a:p>
+          </p:txBody>
+        </p:sp>
+        <p:sp>
+          <p:nvSpPr>
+            <p:cNvPr id="15" name="Textfeld 14"/>
+            <p:cNvSpPr txBox="1"/>
+            <p:nvPr/>
+          </p:nvSpPr>
+          <p:spPr>
+            <a:xfrm>
+              <a:off x="2893423" y="2055069"/>
+              <a:ext cx="535648" cy="369332"/>
+            </a:xfrm>
+            <a:prstGeom prst="rect">
+              <a:avLst/>
+            </a:prstGeom>
+            <a:noFill/>
+          </p:spPr>
+          <p:txBody>
+            <a:bodyPr wrap="none" rtlCol="0">
+              <a:spAutoFit/>
+            </a:bodyPr>
+            <a:lstStyle/>
+            <a:p>
+              <a:r>
+                <a:rPr lang="de-DE" dirty="0" smtClean="0"/>
+                <a:t>512</a:t>
+              </a:r>
+              <a:endParaRPr lang="de-DE" dirty="0"/>
+            </a:p>
+          </p:txBody>
+        </p:sp>
+        <p:sp>
+          <p:nvSpPr>
+            <p:cNvPr id="16" name="Textfeld 15"/>
+            <p:cNvSpPr txBox="1"/>
+            <p:nvPr/>
+          </p:nvSpPr>
+          <p:spPr>
+            <a:xfrm>
+              <a:off x="3959003" y="2046989"/>
+              <a:ext cx="710914" cy="369332"/>
+            </a:xfrm>
+            <a:prstGeom prst="rect">
+              <a:avLst/>
+            </a:prstGeom>
+            <a:noFill/>
+          </p:spPr>
+          <p:txBody>
+            <a:bodyPr wrap="none" rtlCol="0">
+              <a:spAutoFit/>
+            </a:bodyPr>
+            <a:lstStyle/>
+            <a:p>
+              <a:r>
+                <a:rPr lang="de-DE" dirty="0" smtClean="0"/>
+                <a:t>508.5</a:t>
+              </a:r>
+              <a:endParaRPr lang="de-DE" dirty="0"/>
+            </a:p>
+          </p:txBody>
+        </p:sp>
+        <p:sp>
+          <p:nvSpPr>
+            <p:cNvPr id="17" name="Textfeld 16"/>
+            <p:cNvSpPr txBox="1"/>
+            <p:nvPr/>
+          </p:nvSpPr>
+          <p:spPr>
+            <a:xfrm>
+              <a:off x="1487308" y="2055069"/>
+              <a:ext cx="710914" cy="369332"/>
+            </a:xfrm>
+            <a:prstGeom prst="rect">
+              <a:avLst/>
+            </a:prstGeom>
+            <a:noFill/>
+          </p:spPr>
+          <p:txBody>
+            <a:bodyPr wrap="none" rtlCol="0">
+              <a:spAutoFit/>
+            </a:bodyPr>
+            <a:lstStyle/>
+            <a:p>
+              <a:r>
+                <a:rPr lang="de-DE" dirty="0" smtClean="0"/>
+                <a:t>515.5</a:t>
+              </a:r>
+              <a:endParaRPr lang="de-DE" dirty="0"/>
+            </a:p>
+          </p:txBody>
+        </p:sp>
+        <p:sp>
+          <p:nvSpPr>
+            <p:cNvPr id="18" name="Textfeld 17"/>
+            <p:cNvSpPr txBox="1"/>
+            <p:nvPr/>
+          </p:nvSpPr>
+          <p:spPr>
+            <a:xfrm>
+              <a:off x="3528762" y="6305952"/>
+              <a:ext cx="2088470" cy="369332"/>
+            </a:xfrm>
+            <a:prstGeom prst="rect">
+              <a:avLst/>
+            </a:prstGeom>
+            <a:noFill/>
+          </p:spPr>
+          <p:txBody>
+            <a:bodyPr wrap="none" rtlCol="0">
+              <a:spAutoFit/>
+            </a:bodyPr>
+            <a:lstStyle/>
+            <a:p>
+              <a:r>
+                <a:rPr lang="en-US" dirty="0" smtClean="0"/>
+                <a:t>Photon energy in </a:t>
+              </a:r>
+              <a:r>
+                <a:rPr lang="en-US" dirty="0" err="1" smtClean="0"/>
+                <a:t>eV</a:t>
+              </a:r>
+              <a:endParaRPr lang="en-US" dirty="0"/>
+            </a:p>
+          </p:txBody>
+        </p:sp>
+        <p:sp>
+          <p:nvSpPr>
+            <p:cNvPr id="19" name="Textfeld 18"/>
+            <p:cNvSpPr txBox="1"/>
+            <p:nvPr/>
+          </p:nvSpPr>
+          <p:spPr>
+            <a:xfrm>
+              <a:off x="2077262" y="2309812"/>
+              <a:ext cx="2088470" cy="369332"/>
+            </a:xfrm>
+            <a:prstGeom prst="rect">
+              <a:avLst/>
+            </a:prstGeom>
+            <a:noFill/>
+          </p:spPr>
+          <p:txBody>
+            <a:bodyPr wrap="none" rtlCol="0">
+              <a:spAutoFit/>
+            </a:bodyPr>
+            <a:lstStyle/>
+            <a:p>
+              <a:r>
+                <a:rPr lang="en-US" dirty="0" smtClean="0"/>
+                <a:t>Photon energy in </a:t>
+              </a:r>
+              <a:r>
+                <a:rPr lang="en-US" dirty="0" err="1" smtClean="0"/>
+                <a:t>eV</a:t>
+              </a:r>
+              <a:endParaRPr lang="en-US" dirty="0"/>
+            </a:p>
+          </p:txBody>
+        </p:sp>
+      </p:grpSp>
     </p:spTree>
     <p:extLst>
       <p:ext uri="{BB962C8B-B14F-4D97-AF65-F5344CB8AC3E}">
